--- a/Quiz Master PPT.pptx
+++ b/Quiz Master PPT.pptx
@@ -135,7 +135,18 @@
   </p:defaultTextStyle>
   <p:extLst>
     <p:ext uri="{EFAFB233-063F-42B5-8137-9DF3F51BA10A}">
-      <p15:sldGuideLst xmlns:p15="http://schemas.microsoft.com/office/powerpoint/2012/main" xmlns=""/>
+      <p15:sldGuideLst xmlns:p15="http://schemas.microsoft.com/office/powerpoint/2012/main">
+        <p15:guide id="1" orient="horz" pos="2160">
+          <p15:clr>
+            <a:srgbClr val="A4A3A4"/>
+          </p15:clr>
+        </p15:guide>
+        <p15:guide id="2" pos="3840">
+          <p15:clr>
+            <a:srgbClr val="A4A3A4"/>
+          </p15:clr>
+        </p15:guide>
+      </p15:sldGuideLst>
     </p:ext>
   </p:extLst>
 </p:presentation>
@@ -335,7 +346,7 @@
           <a:p>
             <a:fld id="{F6E51E2D-96F4-423C-BD92-2ACFCDC0AF7C}" type="datetimeFigureOut">
               <a:rPr lang="en-IN" smtClean="0"/>
-              <a:t>22-02-2024</a:t>
+              <a:t>24-02-2024</a:t>
             </a:fld>
             <a:endParaRPr lang="en-IN"/>
           </a:p>
@@ -500,7 +511,7 @@
           <a:p>
             <a:fld id="{F6E51E2D-96F4-423C-BD92-2ACFCDC0AF7C}" type="datetimeFigureOut">
               <a:rPr lang="en-IN" smtClean="0"/>
-              <a:t>22-02-2024</a:t>
+              <a:t>24-02-2024</a:t>
             </a:fld>
             <a:endParaRPr lang="en-IN"/>
           </a:p>
@@ -675,7 +686,7 @@
           <a:p>
             <a:fld id="{F6E51E2D-96F4-423C-BD92-2ACFCDC0AF7C}" type="datetimeFigureOut">
               <a:rPr lang="en-IN" smtClean="0"/>
-              <a:t>22-02-2024</a:t>
+              <a:t>24-02-2024</a:t>
             </a:fld>
             <a:endParaRPr lang="en-IN"/>
           </a:p>
@@ -840,7 +851,7 @@
           <a:p>
             <a:fld id="{F6E51E2D-96F4-423C-BD92-2ACFCDC0AF7C}" type="datetimeFigureOut">
               <a:rPr lang="en-IN" smtClean="0"/>
-              <a:t>22-02-2024</a:t>
+              <a:t>24-02-2024</a:t>
             </a:fld>
             <a:endParaRPr lang="en-IN"/>
           </a:p>
@@ -1081,7 +1092,7 @@
           <a:p>
             <a:fld id="{F6E51E2D-96F4-423C-BD92-2ACFCDC0AF7C}" type="datetimeFigureOut">
               <a:rPr lang="en-IN" smtClean="0"/>
-              <a:t>22-02-2024</a:t>
+              <a:t>24-02-2024</a:t>
             </a:fld>
             <a:endParaRPr lang="en-IN"/>
           </a:p>
@@ -1364,7 +1375,7 @@
           <a:p>
             <a:fld id="{F6E51E2D-96F4-423C-BD92-2ACFCDC0AF7C}" type="datetimeFigureOut">
               <a:rPr lang="en-IN" smtClean="0"/>
-              <a:t>22-02-2024</a:t>
+              <a:t>24-02-2024</a:t>
             </a:fld>
             <a:endParaRPr lang="en-IN"/>
           </a:p>
@@ -1793,7 +1804,7 @@
           <a:p>
             <a:fld id="{F6E51E2D-96F4-423C-BD92-2ACFCDC0AF7C}" type="datetimeFigureOut">
               <a:rPr lang="en-IN" smtClean="0"/>
-              <a:t>22-02-2024</a:t>
+              <a:t>24-02-2024</a:t>
             </a:fld>
             <a:endParaRPr lang="en-IN"/>
           </a:p>
@@ -1906,7 +1917,7 @@
           <a:p>
             <a:fld id="{F6E51E2D-96F4-423C-BD92-2ACFCDC0AF7C}" type="datetimeFigureOut">
               <a:rPr lang="en-IN" smtClean="0"/>
-              <a:t>22-02-2024</a:t>
+              <a:t>24-02-2024</a:t>
             </a:fld>
             <a:endParaRPr lang="en-IN"/>
           </a:p>
@@ -1996,7 +2007,7 @@
           <a:p>
             <a:fld id="{F6E51E2D-96F4-423C-BD92-2ACFCDC0AF7C}" type="datetimeFigureOut">
               <a:rPr lang="en-IN" smtClean="0"/>
-              <a:t>22-02-2024</a:t>
+              <a:t>24-02-2024</a:t>
             </a:fld>
             <a:endParaRPr lang="en-IN"/>
           </a:p>
@@ -2185,7 +2196,7 @@
           <a:p>
             <a:fld id="{F6E51E2D-96F4-423C-BD92-2ACFCDC0AF7C}" type="datetimeFigureOut">
               <a:rPr lang="en-IN" smtClean="0"/>
-              <a:t>22-02-2024</a:t>
+              <a:t>24-02-2024</a:t>
             </a:fld>
             <a:endParaRPr lang="en-IN"/>
           </a:p>
@@ -2503,7 +2514,7 @@
           <a:p>
             <a:fld id="{F6E51E2D-96F4-423C-BD92-2ACFCDC0AF7C}" type="datetimeFigureOut">
               <a:rPr lang="en-IN" smtClean="0"/>
-              <a:t>22-02-2024</a:t>
+              <a:t>24-02-2024</a:t>
             </a:fld>
             <a:endParaRPr lang="en-IN"/>
           </a:p>
@@ -2882,7 +2893,7 @@
           <a:p>
             <a:fld id="{F6E51E2D-96F4-423C-BD92-2ACFCDC0AF7C}" type="datetimeFigureOut">
               <a:rPr lang="en-IN" smtClean="0"/>
-              <a:t>22-02-2024</a:t>
+              <a:t>24-02-2024</a:t>
             </a:fld>
             <a:endParaRPr lang="en-IN"/>
           </a:p>
@@ -3210,7 +3221,7 @@
           <p:cNvPr id="2" name="Title 1">
             <a:extLst>
               <a:ext uri="{FF2B5EF4-FFF2-40B4-BE49-F238E27FC236}">
-                <a16:creationId xmlns:a16="http://schemas.microsoft.com/office/drawing/2014/main" xmlns="" id="{2F5EB812-EAEF-94C8-2F11-9B606AA63D2B}"/>
+                <a16:creationId xmlns:a16="http://schemas.microsoft.com/office/drawing/2014/main" id="{2F5EB812-EAEF-94C8-2F11-9B606AA63D2B}"/>
               </a:ext>
             </a:extLst>
           </p:cNvPr>
@@ -3251,7 +3262,7 @@
           <p:cNvPr id="3" name="Subtitle 2">
             <a:extLst>
               <a:ext uri="{FF2B5EF4-FFF2-40B4-BE49-F238E27FC236}">
-                <a16:creationId xmlns:a16="http://schemas.microsoft.com/office/drawing/2014/main" xmlns="" id="{5A55C545-5A08-41D8-E9E2-7F9AB7013ACC}"/>
+                <a16:creationId xmlns:a16="http://schemas.microsoft.com/office/drawing/2014/main" id="{5A55C545-5A08-41D8-E9E2-7F9AB7013ACC}"/>
               </a:ext>
             </a:extLst>
           </p:cNvPr>
@@ -3327,7 +3338,7 @@
           <p:cNvPr id="2" name="Title 1">
             <a:extLst>
               <a:ext uri="{FF2B5EF4-FFF2-40B4-BE49-F238E27FC236}">
-                <a16:creationId xmlns:a16="http://schemas.microsoft.com/office/drawing/2014/main" xmlns="" id="{F3F6D882-BE52-E8E8-1D28-6B423ABD00FF}"/>
+                <a16:creationId xmlns:a16="http://schemas.microsoft.com/office/drawing/2014/main" id="{F3F6D882-BE52-E8E8-1D28-6B423ABD00FF}"/>
               </a:ext>
             </a:extLst>
           </p:cNvPr>
@@ -3368,7 +3379,7 @@
           <p:cNvPr id="5" name="Content Placeholder 4">
             <a:extLst>
               <a:ext uri="{FF2B5EF4-FFF2-40B4-BE49-F238E27FC236}">
-                <a16:creationId xmlns:a16="http://schemas.microsoft.com/office/drawing/2014/main" xmlns="" id="{C9FD88C4-A7F2-7A08-F6CB-C7A7E79BA235}"/>
+                <a16:creationId xmlns:a16="http://schemas.microsoft.com/office/drawing/2014/main" id="{C9FD88C4-A7F2-7A08-F6CB-C7A7E79BA235}"/>
               </a:ext>
             </a:extLst>
           </p:cNvPr>
@@ -3427,7 +3438,7 @@
           <p:cNvPr id="2" name="Title 1">
             <a:extLst>
               <a:ext uri="{FF2B5EF4-FFF2-40B4-BE49-F238E27FC236}">
-                <a16:creationId xmlns:a16="http://schemas.microsoft.com/office/drawing/2014/main" xmlns="" id="{7EC909D0-E406-1DC3-256B-CA7297D5C452}"/>
+                <a16:creationId xmlns:a16="http://schemas.microsoft.com/office/drawing/2014/main" id="{7EC909D0-E406-1DC3-256B-CA7297D5C452}"/>
               </a:ext>
             </a:extLst>
           </p:cNvPr>
@@ -3460,7 +3471,7 @@
           <p:cNvPr id="5" name="Content Placeholder 4">
             <a:extLst>
               <a:ext uri="{FF2B5EF4-FFF2-40B4-BE49-F238E27FC236}">
-                <a16:creationId xmlns:a16="http://schemas.microsoft.com/office/drawing/2014/main" xmlns="" id="{935CE5E8-B760-7530-7FEB-5349535E65CD}"/>
+                <a16:creationId xmlns:a16="http://schemas.microsoft.com/office/drawing/2014/main" id="{935CE5E8-B760-7530-7FEB-5349535E65CD}"/>
               </a:ext>
             </a:extLst>
           </p:cNvPr>
@@ -3525,7 +3536,7 @@
           <p:cNvPr id="2" name="Title 1">
             <a:extLst>
               <a:ext uri="{FF2B5EF4-FFF2-40B4-BE49-F238E27FC236}">
-                <a16:creationId xmlns:a16="http://schemas.microsoft.com/office/drawing/2014/main" xmlns="" id="{A77EE9B1-51C5-FCAE-F949-42939AB84E11}"/>
+                <a16:creationId xmlns:a16="http://schemas.microsoft.com/office/drawing/2014/main" id="{A77EE9B1-51C5-FCAE-F949-42939AB84E11}"/>
               </a:ext>
             </a:extLst>
           </p:cNvPr>
@@ -3566,7 +3577,7 @@
           <p:cNvPr id="5" name="Content Placeholder 4">
             <a:extLst>
               <a:ext uri="{FF2B5EF4-FFF2-40B4-BE49-F238E27FC236}">
-                <a16:creationId xmlns:a16="http://schemas.microsoft.com/office/drawing/2014/main" xmlns="" id="{CDAC55AB-898B-9784-D2FA-4E13B4F778AE}"/>
+                <a16:creationId xmlns:a16="http://schemas.microsoft.com/office/drawing/2014/main" id="{CDAC55AB-898B-9784-D2FA-4E13B4F778AE}"/>
               </a:ext>
             </a:extLst>
           </p:cNvPr>
@@ -3631,7 +3642,7 @@
           <p:cNvPr id="2" name="Title 1">
             <a:extLst>
               <a:ext uri="{FF2B5EF4-FFF2-40B4-BE49-F238E27FC236}">
-                <a16:creationId xmlns:a16="http://schemas.microsoft.com/office/drawing/2014/main" xmlns="" id="{4486EFDB-8A66-1B27-1686-CD3D54A0A55E}"/>
+                <a16:creationId xmlns:a16="http://schemas.microsoft.com/office/drawing/2014/main" id="{4486EFDB-8A66-1B27-1686-CD3D54A0A55E}"/>
               </a:ext>
             </a:extLst>
           </p:cNvPr>
@@ -3676,7 +3687,7 @@
           <p:cNvPr id="5" name="Content Placeholder 4">
             <a:extLst>
               <a:ext uri="{FF2B5EF4-FFF2-40B4-BE49-F238E27FC236}">
-                <a16:creationId xmlns:a16="http://schemas.microsoft.com/office/drawing/2014/main" xmlns="" id="{55ED08FD-BD4F-981A-652D-1901FD31AB93}"/>
+                <a16:creationId xmlns:a16="http://schemas.microsoft.com/office/drawing/2014/main" id="{55ED08FD-BD4F-981A-652D-1901FD31AB93}"/>
               </a:ext>
             </a:extLst>
           </p:cNvPr>
@@ -3736,9 +3747,37 @@
           <a:chExt cx="0" cy="0"/>
         </a:xfrm>
       </p:grpSpPr>
+      <p:sp>
+        <p:nvSpPr>
+          <p:cNvPr id="4" name="Title 3"/>
+          <p:cNvSpPr>
+            <a:spLocks noGrp="1"/>
+          </p:cNvSpPr>
+          <p:nvPr>
+            <p:ph type="title"/>
+          </p:nvPr>
+        </p:nvSpPr>
+        <p:spPr>
+          <a:xfrm>
+            <a:off x="796635" y="332509"/>
+            <a:ext cx="10550237" cy="809538"/>
+          </a:xfrm>
+        </p:spPr>
+        <p:txBody>
+          <a:bodyPr/>
+          <a:lstStyle/>
+          <a:p>
+            <a:r>
+              <a:rPr lang="en-US" dirty="0" smtClean="0"/>
+              <a:t>Login for Users</a:t>
+            </a:r>
+            <a:endParaRPr lang="en-IN" dirty="0"/>
+          </a:p>
+        </p:txBody>
+      </p:sp>
       <p:pic>
         <p:nvPicPr>
-          <p:cNvPr id="1027" name="Picture 3" descr="C:\Users\RISHITA\Downloads\LoginWorkflow.png"/>
+          <p:cNvPr id="3074" name="Picture 2" descr="C:\Users\RISHITA\Downloads\LoginWorkflow.png"/>
           <p:cNvPicPr>
             <a:picLocks noChangeAspect="1" noChangeArrowheads="1"/>
           </p:cNvPicPr>
@@ -3758,9 +3797,9 @@
           </a:stretch>
         </p:blipFill>
         <p:spPr bwMode="auto">
-          <a:xfrm rot="16200000">
-            <a:off x="3867243" y="-1250847"/>
-            <a:ext cx="4098175" cy="9841830"/>
+          <a:xfrm>
+            <a:off x="926783" y="1447800"/>
+            <a:ext cx="9058275" cy="3962400"/>
           </a:xfrm>
           <a:prstGeom prst="rect">
             <a:avLst/>
@@ -3777,34 +3816,6 @@
           </a:extLst>
         </p:spPr>
       </p:pic>
-      <p:sp>
-        <p:nvSpPr>
-          <p:cNvPr id="4" name="Title 3"/>
-          <p:cNvSpPr>
-            <a:spLocks noGrp="1"/>
-          </p:cNvSpPr>
-          <p:nvPr>
-            <p:ph type="title"/>
-          </p:nvPr>
-        </p:nvSpPr>
-        <p:spPr>
-          <a:xfrm>
-            <a:off x="796635" y="332509"/>
-            <a:ext cx="10550237" cy="809538"/>
-          </a:xfrm>
-        </p:spPr>
-        <p:txBody>
-          <a:bodyPr/>
-          <a:lstStyle/>
-          <a:p>
-            <a:r>
-              <a:rPr lang="en-US" dirty="0" smtClean="0"/>
-              <a:t>Login for Users</a:t>
-            </a:r>
-            <a:endParaRPr lang="en-IN" dirty="0"/>
-          </a:p>
-        </p:txBody>
-      </p:sp>
     </p:spTree>
     <p:extLst>
       <p:ext uri="{BB962C8B-B14F-4D97-AF65-F5344CB8AC3E}">
@@ -3869,7 +3880,7 @@
       </p:sp>
       <p:pic>
         <p:nvPicPr>
-          <p:cNvPr id="2051" name="Picture 3"/>
+          <p:cNvPr id="1026" name="Picture 2" descr="C:\Users\RISHITA\Downloads\StudentRegistration.png"/>
           <p:cNvPicPr>
             <a:picLocks noGrp="1" noChangeAspect="1" noChangeArrowheads="1"/>
           </p:cNvPicPr>
@@ -3885,49 +3896,27 @@
               </a:ext>
             </a:extLst>
           </a:blip>
+          <a:srcRect/>
           <a:stretch>
             <a:fillRect/>
           </a:stretch>
         </p:blipFill>
         <p:spPr bwMode="auto">
           <a:xfrm>
-            <a:off x="821522" y="1982549"/>
-            <a:ext cx="9736156" cy="4035902"/>
+            <a:off x="962592" y="1953491"/>
+            <a:ext cx="8255068" cy="3574819"/>
           </a:xfrm>
           <a:prstGeom prst="rect">
             <a:avLst/>
           </a:prstGeom>
           <a:noFill/>
-          <a:ln>
-            <a:noFill/>
-          </a:ln>
-          <a:effectLst/>
           <a:extLst>
             <a:ext uri="{909E8E84-426E-40DD-AFC4-6F175D3DCCD1}">
               <a14:hiddenFill xmlns:a14="http://schemas.microsoft.com/office/drawing/2010/main">
                 <a:solidFill>
-                  <a:schemeClr val="accent1"/>
+                  <a:srgbClr val="FFFFFF"/>
                 </a:solidFill>
               </a14:hiddenFill>
-            </a:ext>
-            <a:ext uri="{91240B29-F687-4F45-9708-019B960494DF}">
-              <a14:hiddenLine xmlns:a14="http://schemas.microsoft.com/office/drawing/2010/main" w="9525">
-                <a:solidFill>
-                  <a:schemeClr val="tx1"/>
-                </a:solidFill>
-                <a:miter lim="800000"/>
-                <a:headEnd/>
-                <a:tailEnd/>
-              </a14:hiddenLine>
-            </a:ext>
-            <a:ext uri="{AF507438-7753-43E0-B8FC-AC1667EBCBE1}">
-              <a14:hiddenEffects xmlns:a14="http://schemas.microsoft.com/office/drawing/2010/main">
-                <a:effectLst>
-                  <a:outerShdw dist="35921" dir="2700000" algn="ctr" rotWithShape="0">
-                    <a:schemeClr val="bg2"/>
-                  </a:outerShdw>
-                </a:effectLst>
-              </a14:hiddenEffects>
             </a:ext>
           </a:extLst>
         </p:spPr>
@@ -3992,7 +3981,7 @@
       </p:sp>
       <p:pic>
         <p:nvPicPr>
-          <p:cNvPr id="3074" name="Picture 2" descr="C:\Users\RISHITA\Downloads\ExpertLogin.png"/>
+          <p:cNvPr id="2050" name="Picture 2" descr="C:\Users\RISHITA\Downloads\ExpertLogin.png"/>
           <p:cNvPicPr>
             <a:picLocks noGrp="1" noChangeAspect="1" noChangeArrowheads="1"/>
           </p:cNvPicPr>
@@ -4015,8 +4004,8 @@
         </p:blipFill>
         <p:spPr bwMode="auto">
           <a:xfrm>
-            <a:off x="1317266" y="2019993"/>
-            <a:ext cx="8325844" cy="3451961"/>
+            <a:off x="1376955" y="1853462"/>
+            <a:ext cx="8465313" cy="3724378"/>
           </a:xfrm>
           <a:prstGeom prst="rect">
             <a:avLst/>
@@ -4268,13 +4257,13 @@
         </p:nvSpPr>
         <p:spPr>
           <a:xfrm>
-            <a:off x="365761" y="1172095"/>
-            <a:ext cx="10403840" cy="5228705"/>
+            <a:off x="-1" y="1012346"/>
+            <a:ext cx="10906539" cy="5494471"/>
           </a:xfrm>
         </p:spPr>
         <p:txBody>
           <a:bodyPr>
-            <a:normAutofit lnSpcReduction="10000"/>
+            <a:normAutofit/>
           </a:bodyPr>
           <a:lstStyle/>
           <a:p>
@@ -4374,6 +4363,11 @@
               <a:rPr lang="en-US" dirty="0" smtClean="0"/>
               <a:t>Technology Used                                   Spring Boot                                       </a:t>
             </a:r>
+            <a:r>
+              <a:rPr lang="en-US" dirty="0" smtClean="0"/>
+              <a:t>             MySQL</a:t>
+            </a:r>
+            <a:endParaRPr lang="en-US" dirty="0" smtClean="0"/>
           </a:p>
           <a:p>
             <a:pPr marL="114300" indent="0">
@@ -4381,13 +4375,16 @@
             </a:pPr>
             <a:r>
               <a:rPr lang="en-US" dirty="0" smtClean="0"/>
-              <a:t>HTML,CSS                                                                                                                      My </a:t>
+              <a:t>HTML,CSS                                                 </a:t>
             </a:r>
             <a:r>
               <a:rPr lang="en-US" dirty="0" err="1" smtClean="0"/>
-              <a:t>Sql</a:t>
-            </a:r>
-            <a:endParaRPr lang="en-US" dirty="0" smtClean="0"/>
+              <a:t>Asp.Net</a:t>
+            </a:r>
+            <a:r>
+              <a:rPr lang="en-US" dirty="0" smtClean="0"/>
+              <a:t> Core WEBAPI                                                                     </a:t>
+            </a:r>
           </a:p>
           <a:p>
             <a:pPr marL="114300" indent="0">
@@ -4770,7 +4767,19 @@
             </a:pPr>
             <a:r>
               <a:rPr lang="en-US" dirty="0" smtClean="0"/>
-              <a:t>Spring boot is used for server side processing wherein  in connection with database is established from server and required data is manipulated and sent to client side.</a:t>
+              <a:t>Spring boot  and Asp.net Core </a:t>
+            </a:r>
+            <a:r>
+              <a:rPr lang="en-US" smtClean="0"/>
+              <a:t>Web </a:t>
+            </a:r>
+            <a:r>
+              <a:rPr lang="en-US" smtClean="0"/>
+              <a:t>API </a:t>
+            </a:r>
+            <a:r>
+              <a:rPr lang="en-US" dirty="0" smtClean="0"/>
+              <a:t>is used for server side processing wherein  in connection with database is established from server and required data is manipulated and sent to client side.</a:t>
             </a:r>
           </a:p>
           <a:p>
@@ -4900,7 +4909,7 @@
           <p:cNvPr id="3" name="Content Placeholder 2">
             <a:extLst>
               <a:ext uri="{FF2B5EF4-FFF2-40B4-BE49-F238E27FC236}">
-                <a16:creationId xmlns:a16="http://schemas.microsoft.com/office/drawing/2014/main" xmlns="" id="{7069FE67-3E52-7E94-F574-FD29EA6A1034}"/>
+                <a16:creationId xmlns:a16="http://schemas.microsoft.com/office/drawing/2014/main" id="{7069FE67-3E52-7E94-F574-FD29EA6A1034}"/>
               </a:ext>
             </a:extLst>
           </p:cNvPr>
@@ -6220,11 +6229,7 @@
             </a:r>
             <a:r>
               <a:rPr lang="en-US" dirty="0" smtClean="0"/>
-              <a:t>and participating </a:t>
-            </a:r>
-            <a:r>
-              <a:rPr lang="en-US" dirty="0" smtClean="0"/>
-              <a:t>in </a:t>
+              <a:t>and participating in </a:t>
             </a:r>
             <a:r>
               <a:rPr lang="en-US" dirty="0"/>
@@ -6245,11 +6250,7 @@
             </a:r>
             <a:r>
               <a:rPr lang="en-US" dirty="0" smtClean="0"/>
-              <a:t>motivate </a:t>
-            </a:r>
-            <a:r>
-              <a:rPr lang="en-US" dirty="0" smtClean="0"/>
-              <a:t>users</a:t>
+              <a:t>motivate users</a:t>
             </a:r>
             <a:r>
               <a:rPr lang="en-US" dirty="0"/>
@@ -6637,7 +6638,7 @@
           <p:cNvPr id="2" name="Title 1">
             <a:extLst>
               <a:ext uri="{FF2B5EF4-FFF2-40B4-BE49-F238E27FC236}">
-                <a16:creationId xmlns:a16="http://schemas.microsoft.com/office/drawing/2014/main" xmlns="" id="{4D6B7412-A769-2D5E-819A-91EEDEA990B5}"/>
+                <a16:creationId xmlns:a16="http://schemas.microsoft.com/office/drawing/2014/main" id="{4D6B7412-A769-2D5E-819A-91EEDEA990B5}"/>
               </a:ext>
             </a:extLst>
           </p:cNvPr>
@@ -6666,7 +6667,7 @@
           <p:cNvPr id="3" name="Content Placeholder 2">
             <a:extLst>
               <a:ext uri="{FF2B5EF4-FFF2-40B4-BE49-F238E27FC236}">
-                <a16:creationId xmlns:a16="http://schemas.microsoft.com/office/drawing/2014/main" xmlns="" id="{A2CA1DEA-5689-388B-E447-46CC10AE6212}"/>
+                <a16:creationId xmlns:a16="http://schemas.microsoft.com/office/drawing/2014/main" id="{A2CA1DEA-5689-388B-E447-46CC10AE6212}"/>
               </a:ext>
             </a:extLst>
           </p:cNvPr>
@@ -6748,11 +6749,7 @@
             </a:pPr>
             <a:r>
               <a:rPr lang="en-US" sz="7200" dirty="0" smtClean="0"/>
-              <a:t>               </a:t>
-            </a:r>
-            <a:r>
-              <a:rPr lang="en-US" sz="7200" dirty="0" smtClean="0"/>
-              <a:t>Thank You</a:t>
+              <a:t>               Thank You</a:t>
             </a:r>
             <a:endParaRPr lang="en-IN" sz="7200" dirty="0"/>
           </a:p>
@@ -6887,7 +6884,7 @@
           <p:cNvPr id="2" name="Title 1">
             <a:extLst>
               <a:ext uri="{FF2B5EF4-FFF2-40B4-BE49-F238E27FC236}">
-                <a16:creationId xmlns:a16="http://schemas.microsoft.com/office/drawing/2014/main" xmlns="" id="{CB89071F-7966-8122-AADF-D122BF177A06}"/>
+                <a16:creationId xmlns:a16="http://schemas.microsoft.com/office/drawing/2014/main" id="{CB89071F-7966-8122-AADF-D122BF177A06}"/>
               </a:ext>
             </a:extLst>
           </p:cNvPr>
@@ -6922,7 +6919,7 @@
           <p:cNvPr id="3" name="Content Placeholder 2">
             <a:extLst>
               <a:ext uri="{FF2B5EF4-FFF2-40B4-BE49-F238E27FC236}">
-                <a16:creationId xmlns:a16="http://schemas.microsoft.com/office/drawing/2014/main" xmlns="" id="{72A0F1D2-0AF0-BA10-D803-D41732A52DEB}"/>
+                <a16:creationId xmlns:a16="http://schemas.microsoft.com/office/drawing/2014/main" id="{72A0F1D2-0AF0-BA10-D803-D41732A52DEB}"/>
               </a:ext>
             </a:extLst>
           </p:cNvPr>
@@ -7050,7 +7047,7 @@
           <p:cNvPr id="2" name="Title 1">
             <a:extLst>
               <a:ext uri="{FF2B5EF4-FFF2-40B4-BE49-F238E27FC236}">
-                <a16:creationId xmlns:a16="http://schemas.microsoft.com/office/drawing/2014/main" xmlns="" id="{E27AF9F1-FB89-CEE9-45DB-2396641AAF89}"/>
+                <a16:creationId xmlns:a16="http://schemas.microsoft.com/office/drawing/2014/main" id="{E27AF9F1-FB89-CEE9-45DB-2396641AAF89}"/>
               </a:ext>
             </a:extLst>
           </p:cNvPr>
@@ -7085,7 +7082,7 @@
           <p:cNvPr id="3" name="Content Placeholder 2">
             <a:extLst>
               <a:ext uri="{FF2B5EF4-FFF2-40B4-BE49-F238E27FC236}">
-                <a16:creationId xmlns:a16="http://schemas.microsoft.com/office/drawing/2014/main" xmlns="" id="{39FF119A-8276-8D82-ABA9-9E8DA8A8268B}"/>
+                <a16:creationId xmlns:a16="http://schemas.microsoft.com/office/drawing/2014/main" id="{39FF119A-8276-8D82-ABA9-9E8DA8A8268B}"/>
               </a:ext>
             </a:extLst>
           </p:cNvPr>
@@ -7304,7 +7301,7 @@
           <p:cNvPr id="2" name="Title 1">
             <a:extLst>
               <a:ext uri="{FF2B5EF4-FFF2-40B4-BE49-F238E27FC236}">
-                <a16:creationId xmlns:a16="http://schemas.microsoft.com/office/drawing/2014/main" xmlns="" id="{C72B3C03-78FC-F7BD-C250-5F3C6F4A830B}"/>
+                <a16:creationId xmlns:a16="http://schemas.microsoft.com/office/drawing/2014/main" id="{C72B3C03-78FC-F7BD-C250-5F3C6F4A830B}"/>
               </a:ext>
             </a:extLst>
           </p:cNvPr>
@@ -7339,7 +7336,7 @@
           <p:cNvPr id="3" name="Content Placeholder 2">
             <a:extLst>
               <a:ext uri="{FF2B5EF4-FFF2-40B4-BE49-F238E27FC236}">
-                <a16:creationId xmlns:a16="http://schemas.microsoft.com/office/drawing/2014/main" xmlns="" id="{868CC79E-9841-1C6E-BE57-1E955E800145}"/>
+                <a16:creationId xmlns:a16="http://schemas.microsoft.com/office/drawing/2014/main" id="{868CC79E-9841-1C6E-BE57-1E955E800145}"/>
               </a:ext>
             </a:extLst>
           </p:cNvPr>
@@ -7521,7 +7518,7 @@
           <p:cNvPr id="2" name="Title 1">
             <a:extLst>
               <a:ext uri="{FF2B5EF4-FFF2-40B4-BE49-F238E27FC236}">
-                <a16:creationId xmlns:a16="http://schemas.microsoft.com/office/drawing/2014/main" xmlns="" id="{9965F37C-6FBA-7692-DE58-BA986C57DECC}"/>
+                <a16:creationId xmlns:a16="http://schemas.microsoft.com/office/drawing/2014/main" id="{9965F37C-6FBA-7692-DE58-BA986C57DECC}"/>
               </a:ext>
             </a:extLst>
           </p:cNvPr>
@@ -7556,7 +7553,7 @@
           <p:cNvPr id="3" name="Content Placeholder 2">
             <a:extLst>
               <a:ext uri="{FF2B5EF4-FFF2-40B4-BE49-F238E27FC236}">
-                <a16:creationId xmlns:a16="http://schemas.microsoft.com/office/drawing/2014/main" xmlns="" id="{A81C1CEF-E5A6-0AB0-497B-7CFC12F3CDBD}"/>
+                <a16:creationId xmlns:a16="http://schemas.microsoft.com/office/drawing/2014/main" id="{A81C1CEF-E5A6-0AB0-497B-7CFC12F3CDBD}"/>
               </a:ext>
             </a:extLst>
           </p:cNvPr>
@@ -7656,15 +7653,21 @@
               <a:buChar char="•"/>
             </a:pPr>
             <a:r>
-              <a:rPr lang="en-US" b="0" i="0" dirty="0">
+              <a:rPr lang="en-US" dirty="0" smtClean="0">
                 <a:solidFill>
                   <a:srgbClr val="0D0D0D"/>
                 </a:solidFill>
-                <a:effectLst/>
                 <a:latin typeface="Söhne"/>
               </a:rPr>
-              <a:t>View quiz categories</a:t>
-            </a:r>
+              <a:t>View Students</a:t>
+            </a:r>
+            <a:endParaRPr lang="en-US" b="0" i="0" dirty="0">
+              <a:solidFill>
+                <a:srgbClr val="0D0D0D"/>
+              </a:solidFill>
+              <a:effectLst/>
+              <a:latin typeface="Söhne"/>
+            </a:endParaRPr>
           </a:p>
           <a:p>
             <a:pPr algn="l">
@@ -7738,7 +7741,7 @@
           <p:cNvPr id="2" name="Title 1">
             <a:extLst>
               <a:ext uri="{FF2B5EF4-FFF2-40B4-BE49-F238E27FC236}">
-                <a16:creationId xmlns:a16="http://schemas.microsoft.com/office/drawing/2014/main" xmlns="" id="{8A523702-BB9D-CBE9-0E7B-66D69EB12DF6}"/>
+                <a16:creationId xmlns:a16="http://schemas.microsoft.com/office/drawing/2014/main" id="{8A523702-BB9D-CBE9-0E7B-66D69EB12DF6}"/>
               </a:ext>
             </a:extLst>
           </p:cNvPr>
@@ -7773,7 +7776,7 @@
           <p:cNvPr id="3" name="Content Placeholder 2">
             <a:extLst>
               <a:ext uri="{FF2B5EF4-FFF2-40B4-BE49-F238E27FC236}">
-                <a16:creationId xmlns:a16="http://schemas.microsoft.com/office/drawing/2014/main" xmlns="" id="{EFB96732-7995-3335-70F1-0336261140A2}"/>
+                <a16:creationId xmlns:a16="http://schemas.microsoft.com/office/drawing/2014/main" id="{EFB96732-7995-3335-70F1-0336261140A2}"/>
               </a:ext>
             </a:extLst>
           </p:cNvPr>
